--- a/1_CompanySave/IHSMarkit/Py_Package/Seita/Presentation_Seita.pptx
+++ b/1_CompanySave/IHSMarkit/Py_Package/Seita/Presentation_Seita.pptx
@@ -21088,7 +21088,7 @@
         </p:nvSpPr>
         <p:spPr>
           <a:xfrm>
-            <a:off x="1296987" y="1524002"/>
+            <a:off x="1068387" y="1600202"/>
             <a:ext cx="2692084" cy="3250429"/>
           </a:xfrm>
           <a:ln>
@@ -21143,9 +21143,15 @@
         </p:nvSpPr>
         <p:spPr>
           <a:xfrm>
-            <a:off x="8993188" y="1524000"/>
-            <a:ext cx="2895600" cy="3250429"/>
-          </a:xfrm>
+            <a:off x="8675577" y="1600200"/>
+            <a:ext cx="3213210" cy="3581400"/>
+          </a:xfrm>
+          <a:solidFill>
+            <a:schemeClr val="bg2">
+              <a:lumMod val="40000"/>
+              <a:lumOff val="60000"/>
+            </a:schemeClr>
+          </a:solidFill>
           <a:ln>
             <a:noFill/>
           </a:ln>
@@ -21162,11 +21168,25 @@
                 <a:solidFill>
                   <a:schemeClr val="accent1"/>
                 </a:solidFill>
+                <a:highlight>
+                  <a:srgbClr val="FFFF00"/>
+                </a:highlight>
                 <a:latin typeface="+mj-lt"/>
                 <a:ea typeface="+mj-ea"/>
                 <a:cs typeface="+mj-cs"/>
               </a:rPr>
-              <a:t>Only for LT: 1</a:t>
+              <a:t>Only for LT</a:t>
+            </a:r>
+            <a:r>
+              <a:rPr lang="en-US" sz="1800" dirty="0">
+                <a:solidFill>
+                  <a:schemeClr val="accent1"/>
+                </a:solidFill>
+                <a:latin typeface="+mj-lt"/>
+                <a:ea typeface="+mj-ea"/>
+                <a:cs typeface="+mj-cs"/>
+              </a:rPr>
+              <a:t>: 1</a:t>
             </a:r>
             <a:r>
               <a:rPr lang="en-US" sz="1800" baseline="30000" dirty="0">
@@ -21194,8 +21214,147 @@
           <a:p>
             <a:r>
               <a:rPr lang="en-US" dirty="0"/>
-              <a:t>A</a:t>
-            </a:r>
+              <a:t>Open CMD or Git Bash</a:t>
+            </a:r>
+          </a:p>
+          <a:p>
+            <a:r>
+              <a:rPr lang="en-US" sz="1000" dirty="0"/>
+              <a:t>cd C:\Users\laurent.tupin\Documents\GitLab\LT_App</a:t>
+            </a:r>
+          </a:p>
+          <a:p>
+            <a:r>
+              <a:rPr lang="en-US" sz="1000" dirty="0"/>
+              <a:t>git </a:t>
+            </a:r>
+            <a:r>
+              <a:rPr lang="en-US" sz="1000" dirty="0" err="1"/>
+              <a:t>init</a:t>
+            </a:r>
+            <a:endParaRPr lang="en-US" sz="1000" dirty="0"/>
+          </a:p>
+          <a:p>
+            <a:r>
+              <a:rPr lang="en-GB" sz="1100" b="0" i="1" u="none" strike="noStrike" dirty="0">
+                <a:solidFill>
+                  <a:srgbClr val="2E2E2E"/>
+                </a:solidFill>
+                <a:effectLst/>
+                <a:highlight>
+                  <a:srgbClr val="FFFF00"/>
+                </a:highlight>
+                <a:latin typeface="Menlo"/>
+              </a:rPr>
+              <a:t>(git remote add origin </a:t>
+            </a:r>
+            <a:r>
+              <a:rPr lang="en-GB" sz="1100" b="0" i="1" u="none" strike="noStrike" dirty="0">
+                <a:solidFill>
+                  <a:srgbClr val="2E2E2E"/>
+                </a:solidFill>
+                <a:effectLst/>
+                <a:highlight>
+                  <a:srgbClr val="FFFF00"/>
+                </a:highlight>
+                <a:latin typeface="&amp;quot"/>
+                <a:hlinkClick r:id="rId2"/>
+              </a:rPr>
+              <a:t>https://git.mdevlab.com/laurent.tupin/LT_APP/Seita.git</a:t>
+            </a:r>
+            <a:r>
+              <a:rPr lang="en-GB" sz="1100" b="0" i="1" u="none" strike="noStrike" dirty="0">
+                <a:solidFill>
+                  <a:srgbClr val="2E2E2E"/>
+                </a:solidFill>
+                <a:effectLst/>
+                <a:highlight>
+                  <a:srgbClr val="FFFF00"/>
+                </a:highlight>
+                <a:latin typeface="&amp;quot"/>
+              </a:rPr>
+              <a:t>)</a:t>
+            </a:r>
+          </a:p>
+          <a:p>
+            <a:r>
+              <a:rPr lang="en-GB" sz="1100" b="0" i="1" u="none" strike="noStrike" dirty="0">
+                <a:solidFill>
+                  <a:srgbClr val="2E2E2E"/>
+                </a:solidFill>
+                <a:effectLst/>
+                <a:highlight>
+                  <a:srgbClr val="FFFF00"/>
+                </a:highlight>
+                <a:latin typeface="Menlo"/>
+              </a:rPr>
+              <a:t>(git status)</a:t>
+            </a:r>
+          </a:p>
+          <a:p>
+            <a:r>
+              <a:rPr lang="en-GB" sz="1100" b="0" i="0" u="none" strike="noStrike" dirty="0">
+                <a:solidFill>
+                  <a:srgbClr val="2E2E2E"/>
+                </a:solidFill>
+                <a:effectLst/>
+                <a:latin typeface="Menlo"/>
+              </a:rPr>
+              <a:t>git add .</a:t>
+            </a:r>
+            <a:endParaRPr lang="en-GB" sz="1100" dirty="0">
+              <a:solidFill>
+                <a:srgbClr val="2E2E2E"/>
+              </a:solidFill>
+              <a:latin typeface="&amp;quot"/>
+            </a:endParaRPr>
+          </a:p>
+          <a:p>
+            <a:r>
+              <a:rPr lang="en-GB" sz="1100" b="0" i="0" u="none" strike="noStrike" dirty="0">
+                <a:solidFill>
+                  <a:srgbClr val="2E2E2E"/>
+                </a:solidFill>
+                <a:effectLst/>
+                <a:latin typeface="Menlo"/>
+              </a:rPr>
+              <a:t>git commit -m "Initial commit"</a:t>
+            </a:r>
+          </a:p>
+          <a:p>
+            <a:r>
+              <a:rPr lang="en-GB" sz="1100" dirty="0">
+                <a:solidFill>
+                  <a:srgbClr val="2E2E2E"/>
+                </a:solidFill>
+                <a:latin typeface="Menlo"/>
+              </a:rPr>
+              <a:t>git push –u </a:t>
+            </a:r>
+            <a:r>
+              <a:rPr lang="en-GB" sz="1100" b="0" i="0" u="none" strike="noStrike" dirty="0">
+                <a:solidFill>
+                  <a:srgbClr val="2E2E2E"/>
+                </a:solidFill>
+                <a:effectLst/>
+                <a:latin typeface="&amp;quot"/>
+                <a:hlinkClick r:id="rId3"/>
+              </a:rPr>
+              <a:t>https://git.mdevlab.com/laurent.tupin/LT_APP.git</a:t>
+            </a:r>
+            <a:r>
+              <a:rPr lang="en-GB" sz="1100" b="0" i="0" u="none" strike="noStrike" dirty="0">
+                <a:solidFill>
+                  <a:srgbClr val="2E2E2E"/>
+                </a:solidFill>
+                <a:effectLst/>
+                <a:latin typeface="&amp;quot"/>
+              </a:rPr>
+              <a:t> master</a:t>
+            </a:r>
+          </a:p>
+          <a:p>
+            <a:endParaRPr lang="en-US" sz="1000" dirty="0"/>
           </a:p>
         </p:txBody>
       </p:sp>
@@ -21239,7 +21398,7 @@
         </p:nvSpPr>
         <p:spPr>
           <a:xfrm>
-            <a:off x="5170376" y="1524001"/>
+            <a:off x="4941776" y="1600201"/>
             <a:ext cx="2679811" cy="3250429"/>
           </a:xfrm>
           <a:prstGeom prst="rect">
@@ -21476,7 +21635,7 @@
           <a:p>
             <a:r>
               <a:rPr lang="en-GB" sz="1000" dirty="0">
-                <a:hlinkClick r:id="rId2"/>
+                <a:hlinkClick r:id="rId4"/>
               </a:rPr>
               <a:t>https://www.youtube.com/watch?v=Jt4Z1vwtXT0&amp;list=PLhW3qG5bs-L8YSnCiyQ-jD8XfHC2W1NL_</a:t>
             </a:r>
@@ -21602,10 +21761,10 @@
           <p:nvPr/>
         </p:nvPicPr>
         <p:blipFill>
-          <a:blip r:embed="rId3">
+          <a:blip r:embed="rId5">
             <a:extLst>
               <a:ext uri="{96DAC541-7B7A-43D3-8B79-37D633B846F1}">
-                <asvg:svgBlip xmlns:asvg="http://schemas.microsoft.com/office/drawing/2016/SVG/main" r:embed="rId4"/>
+                <asvg:svgBlip xmlns:asvg="http://schemas.microsoft.com/office/drawing/2016/SVG/main" r:embed="rId6"/>
               </a:ext>
             </a:extLst>
           </a:blip>
@@ -21615,7 +21774,7 @@
         </p:blipFill>
         <p:spPr>
           <a:xfrm>
-            <a:off x="306387" y="2153018"/>
+            <a:off x="77787" y="2229218"/>
             <a:ext cx="914400" cy="914400"/>
           </a:xfrm>
           <a:prstGeom prst="rect">
@@ -21638,10 +21797,10 @@
           <p:nvPr/>
         </p:nvPicPr>
         <p:blipFill>
-          <a:blip r:embed="rId3">
+          <a:blip r:embed="rId5">
             <a:extLst>
               <a:ext uri="{96DAC541-7B7A-43D3-8B79-37D633B846F1}">
-                <asvg:svgBlip xmlns:asvg="http://schemas.microsoft.com/office/drawing/2016/SVG/main" r:embed="rId4"/>
+                <asvg:svgBlip xmlns:asvg="http://schemas.microsoft.com/office/drawing/2016/SVG/main" r:embed="rId6"/>
               </a:ext>
             </a:extLst>
           </a:blip>
@@ -21651,7 +21810,7 @@
         </p:blipFill>
         <p:spPr>
           <a:xfrm>
-            <a:off x="4116387" y="2153018"/>
+            <a:off x="3887787" y="2229218"/>
             <a:ext cx="914400" cy="914400"/>
           </a:xfrm>
           <a:prstGeom prst="rect">
@@ -21674,10 +21833,10 @@
           <p:nvPr/>
         </p:nvPicPr>
         <p:blipFill>
-          <a:blip r:embed="rId3">
+          <a:blip r:embed="rId5">
             <a:extLst>
               <a:ext uri="{96DAC541-7B7A-43D3-8B79-37D633B846F1}">
-                <asvg:svgBlip xmlns:asvg="http://schemas.microsoft.com/office/drawing/2016/SVG/main" r:embed="rId4"/>
+                <asvg:svgBlip xmlns:asvg="http://schemas.microsoft.com/office/drawing/2016/SVG/main" r:embed="rId6"/>
               </a:ext>
             </a:extLst>
           </a:blip>
@@ -21687,7 +21846,7 @@
         </p:blipFill>
         <p:spPr>
           <a:xfrm>
-            <a:off x="7989776" y="2153018"/>
+            <a:off x="7761176" y="2229218"/>
             <a:ext cx="914400" cy="914400"/>
           </a:xfrm>
           <a:prstGeom prst="rect">
